--- a/Unit 2/For LIve Session Unit 2 Student.pptx
+++ b/Unit 2/For LIve Session Unit 2 Student.pptx
@@ -245,7 +245,7 @@
           <a:p>
             <a:fld id="{4E223589-D1FE-5045-809F-56B69D3AD8BF}" type="datetimeFigureOut">
               <a:rPr lang="en-US" smtClean="0"/>
-              <a:t>1/2/20</a:t>
+              <a:t>5/5/22</a:t>
             </a:fld>
             <a:endParaRPr lang="en-US"/>
           </a:p>
@@ -415,7 +415,7 @@
           <a:p>
             <a:fld id="{4E223589-D1FE-5045-809F-56B69D3AD8BF}" type="datetimeFigureOut">
               <a:rPr lang="en-US" smtClean="0"/>
-              <a:t>1/2/20</a:t>
+              <a:t>5/5/22</a:t>
             </a:fld>
             <a:endParaRPr lang="en-US"/>
           </a:p>
@@ -595,7 +595,7 @@
           <a:p>
             <a:fld id="{4E223589-D1FE-5045-809F-56B69D3AD8BF}" type="datetimeFigureOut">
               <a:rPr lang="en-US" smtClean="0"/>
-              <a:t>1/2/20</a:t>
+              <a:t>5/5/22</a:t>
             </a:fld>
             <a:endParaRPr lang="en-US"/>
           </a:p>
@@ -765,7 +765,7 @@
           <a:p>
             <a:fld id="{4E223589-D1FE-5045-809F-56B69D3AD8BF}" type="datetimeFigureOut">
               <a:rPr lang="en-US" smtClean="0"/>
-              <a:t>1/2/20</a:t>
+              <a:t>5/5/22</a:t>
             </a:fld>
             <a:endParaRPr lang="en-US"/>
           </a:p>
@@ -1009,7 +1009,7 @@
           <a:p>
             <a:fld id="{4E223589-D1FE-5045-809F-56B69D3AD8BF}" type="datetimeFigureOut">
               <a:rPr lang="en-US" smtClean="0"/>
-              <a:t>1/2/20</a:t>
+              <a:t>5/5/22</a:t>
             </a:fld>
             <a:endParaRPr lang="en-US"/>
           </a:p>
@@ -1241,7 +1241,7 @@
           <a:p>
             <a:fld id="{4E223589-D1FE-5045-809F-56B69D3AD8BF}" type="datetimeFigureOut">
               <a:rPr lang="en-US" smtClean="0"/>
-              <a:t>1/2/20</a:t>
+              <a:t>5/5/22</a:t>
             </a:fld>
             <a:endParaRPr lang="en-US"/>
           </a:p>
@@ -1608,7 +1608,7 @@
           <a:p>
             <a:fld id="{4E223589-D1FE-5045-809F-56B69D3AD8BF}" type="datetimeFigureOut">
               <a:rPr lang="en-US" smtClean="0"/>
-              <a:t>1/2/20</a:t>
+              <a:t>5/5/22</a:t>
             </a:fld>
             <a:endParaRPr lang="en-US"/>
           </a:p>
@@ -1726,7 +1726,7 @@
           <a:p>
             <a:fld id="{4E223589-D1FE-5045-809F-56B69D3AD8BF}" type="datetimeFigureOut">
               <a:rPr lang="en-US" smtClean="0"/>
-              <a:t>1/2/20</a:t>
+              <a:t>5/5/22</a:t>
             </a:fld>
             <a:endParaRPr lang="en-US"/>
           </a:p>
@@ -1821,7 +1821,7 @@
           <a:p>
             <a:fld id="{4E223589-D1FE-5045-809F-56B69D3AD8BF}" type="datetimeFigureOut">
               <a:rPr lang="en-US" smtClean="0"/>
-              <a:t>1/2/20</a:t>
+              <a:t>5/5/22</a:t>
             </a:fld>
             <a:endParaRPr lang="en-US"/>
           </a:p>
@@ -2098,7 +2098,7 @@
           <a:p>
             <a:fld id="{4E223589-D1FE-5045-809F-56B69D3AD8BF}" type="datetimeFigureOut">
               <a:rPr lang="en-US" smtClean="0"/>
-              <a:t>1/2/20</a:t>
+              <a:t>5/5/22</a:t>
             </a:fld>
             <a:endParaRPr lang="en-US"/>
           </a:p>
@@ -2355,7 +2355,7 @@
           <a:p>
             <a:fld id="{4E223589-D1FE-5045-809F-56B69D3AD8BF}" type="datetimeFigureOut">
               <a:rPr lang="en-US" smtClean="0"/>
-              <a:t>1/2/20</a:t>
+              <a:t>5/5/22</a:t>
             </a:fld>
             <a:endParaRPr lang="en-US"/>
           </a:p>
@@ -2568,7 +2568,7 @@
           <a:p>
             <a:fld id="{4E223589-D1FE-5045-809F-56B69D3AD8BF}" type="datetimeFigureOut">
               <a:rPr lang="en-US" smtClean="0"/>
-              <a:t>1/2/20</a:t>
+              <a:t>5/5/22</a:t>
             </a:fld>
             <a:endParaRPr lang="en-US"/>
           </a:p>
@@ -3146,15 +3146,15 @@
             </a:r>
             <a:r>
               <a:rPr lang="en-US" sz="3400" dirty="0"/>
-              <a:t> dataset. This data set is every NBA basketball player from 1950 to present.  It contains their height, weight, position and the year they played (among other data.) (Position: F-Forward, C-Centers, F-C and C-F – Forward /Centers, G – Guards, F-G – Forward/Guards)  FYI: If you feel that these questions are open ended or at least a little vague, this is on purpose.  Answer the question as you understand it and make any assumptions you need to make </a:t>
-            </a:r>
-            <a:r>
-              <a:rPr lang="en-US" sz="3400" dirty="0" err="1"/>
-              <a:t>ot</a:t>
+              <a:t> dataset. This data set is every NBA basketball player from 1950 to present.  It contains their height, weight, position and the year they played (among other data.) (Position: F-Forward, C-Centers, F-C and C-F – Forward /Centers, G – Guards, F-G – Forward/Guards)  FYI: If you feel that these questions are open ended or at least a little vague, this is on purpose.  Answer the question as you understand it and make any assumptions you need to </a:t>
+            </a:r>
+            <a:r>
+              <a:rPr lang="en-US" sz="3400"/>
+              <a:t>make to </a:t>
             </a:r>
             <a:r>
               <a:rPr lang="en-US" sz="3400" dirty="0"/>
-              <a:t> answer the question and record those assumptions. (3-5 hours)</a:t>
+              <a:t>answer the question and record those assumptions. (3-5 hours)</a:t>
             </a:r>
           </a:p>
           <a:p>
@@ -3289,8 +3289,8 @@
           <a:chExt cx="0" cy="0"/>
         </a:xfrm>
       </p:grpSpPr>
-      <mc:AlternateContent xmlns:mc="http://schemas.openxmlformats.org/markup-compatibility/2006">
-        <mc:Choice xmlns:a14="http://schemas.microsoft.com/office/drawing/2010/main" Requires="a14">
+      <mc:AlternateContent xmlns:mc="http://schemas.openxmlformats.org/markup-compatibility/2006" xmlns:a14="http://schemas.microsoft.com/office/drawing/2010/main">
+        <mc:Choice Requires="a14">
           <p:sp>
             <p:nvSpPr>
               <p:cNvPr id="2" name="Title 1">
@@ -3357,7 +3357,7 @@
             </p:txBody>
           </p:sp>
         </mc:Choice>
-        <mc:Fallback>
+        <mc:Fallback xmlns="">
           <p:sp>
             <p:nvSpPr>
               <p:cNvPr id="2" name="Title 1">
